--- a/dapr3_lectures/dapr3_fa_lec/img_sandbox/scoreflowchart.pptx
+++ b/dapr3_lectures/dapr3_fa_lec/img_sandbox/scoreflowchart.pptx
@@ -6,6 +6,7 @@
   </p:sldMasterIdLst>
   <p:sldIdLst>
     <p:sldId id="256" r:id="rId2"/>
+    <p:sldId id="257" r:id="rId3"/>
   </p:sldIdLst>
   <p:sldSz cx="12192000" cy="6858000"/>
   <p:notesSz cx="6858000" cy="9144000"/>
@@ -104,6 +105,11 @@
       </a:defRPr>
     </a:lvl9pPr>
   </p:defaultTextStyle>
+  <p:extLst>
+    <p:ext uri="{EFAFB233-063F-42B5-8137-9DF3F51BA10A}">
+      <p15:sldGuideLst xmlns:p15="http://schemas.microsoft.com/office/powerpoint/2012/main"/>
+    </p:ext>
+  </p:extLst>
 </p:presentation>
 </file>
 
@@ -256,7 +262,7 @@
           <a:p>
             <a:fld id="{E0006DC5-FA9F-4977-9E07-9D4449F5C22E}" type="datetimeFigureOut">
               <a:rPr lang="en-GB" smtClean="0"/>
-              <a:t>12/11/2025</a:t>
+              <a:t>21/11/2025</a:t>
             </a:fld>
             <a:endParaRPr lang="en-GB"/>
           </a:p>
@@ -456,7 +462,7 @@
           <a:p>
             <a:fld id="{E0006DC5-FA9F-4977-9E07-9D4449F5C22E}" type="datetimeFigureOut">
               <a:rPr lang="en-GB" smtClean="0"/>
-              <a:t>12/11/2025</a:t>
+              <a:t>21/11/2025</a:t>
             </a:fld>
             <a:endParaRPr lang="en-GB"/>
           </a:p>
@@ -666,7 +672,7 @@
           <a:p>
             <a:fld id="{E0006DC5-FA9F-4977-9E07-9D4449F5C22E}" type="datetimeFigureOut">
               <a:rPr lang="en-GB" smtClean="0"/>
-              <a:t>12/11/2025</a:t>
+              <a:t>21/11/2025</a:t>
             </a:fld>
             <a:endParaRPr lang="en-GB"/>
           </a:p>
@@ -866,7 +872,7 @@
           <a:p>
             <a:fld id="{E0006DC5-FA9F-4977-9E07-9D4449F5C22E}" type="datetimeFigureOut">
               <a:rPr lang="en-GB" smtClean="0"/>
-              <a:t>12/11/2025</a:t>
+              <a:t>21/11/2025</a:t>
             </a:fld>
             <a:endParaRPr lang="en-GB"/>
           </a:p>
@@ -1142,7 +1148,7 @@
           <a:p>
             <a:fld id="{E0006DC5-FA9F-4977-9E07-9D4449F5C22E}" type="datetimeFigureOut">
               <a:rPr lang="en-GB" smtClean="0"/>
-              <a:t>12/11/2025</a:t>
+              <a:t>21/11/2025</a:t>
             </a:fld>
             <a:endParaRPr lang="en-GB"/>
           </a:p>
@@ -1410,7 +1416,7 @@
           <a:p>
             <a:fld id="{E0006DC5-FA9F-4977-9E07-9D4449F5C22E}" type="datetimeFigureOut">
               <a:rPr lang="en-GB" smtClean="0"/>
-              <a:t>12/11/2025</a:t>
+              <a:t>21/11/2025</a:t>
             </a:fld>
             <a:endParaRPr lang="en-GB"/>
           </a:p>
@@ -1825,7 +1831,7 @@
           <a:p>
             <a:fld id="{E0006DC5-FA9F-4977-9E07-9D4449F5C22E}" type="datetimeFigureOut">
               <a:rPr lang="en-GB" smtClean="0"/>
-              <a:t>12/11/2025</a:t>
+              <a:t>21/11/2025</a:t>
             </a:fld>
             <a:endParaRPr lang="en-GB"/>
           </a:p>
@@ -1967,7 +1973,7 @@
           <a:p>
             <a:fld id="{E0006DC5-FA9F-4977-9E07-9D4449F5C22E}" type="datetimeFigureOut">
               <a:rPr lang="en-GB" smtClean="0"/>
-              <a:t>12/11/2025</a:t>
+              <a:t>21/11/2025</a:t>
             </a:fld>
             <a:endParaRPr lang="en-GB"/>
           </a:p>
@@ -2080,7 +2086,7 @@
           <a:p>
             <a:fld id="{E0006DC5-FA9F-4977-9E07-9D4449F5C22E}" type="datetimeFigureOut">
               <a:rPr lang="en-GB" smtClean="0"/>
-              <a:t>12/11/2025</a:t>
+              <a:t>21/11/2025</a:t>
             </a:fld>
             <a:endParaRPr lang="en-GB"/>
           </a:p>
@@ -2393,7 +2399,7 @@
           <a:p>
             <a:fld id="{E0006DC5-FA9F-4977-9E07-9D4449F5C22E}" type="datetimeFigureOut">
               <a:rPr lang="en-GB" smtClean="0"/>
-              <a:t>12/11/2025</a:t>
+              <a:t>21/11/2025</a:t>
             </a:fld>
             <a:endParaRPr lang="en-GB"/>
           </a:p>
@@ -2682,7 +2688,7 @@
           <a:p>
             <a:fld id="{E0006DC5-FA9F-4977-9E07-9D4449F5C22E}" type="datetimeFigureOut">
               <a:rPr lang="en-GB" smtClean="0"/>
-              <a:t>12/11/2025</a:t>
+              <a:t>21/11/2025</a:t>
             </a:fld>
             <a:endParaRPr lang="en-GB"/>
           </a:p>
@@ -2925,7 +2931,7 @@
           <a:p>
             <a:fld id="{E0006DC5-FA9F-4977-9E07-9D4449F5C22E}" type="datetimeFigureOut">
               <a:rPr lang="en-GB" smtClean="0"/>
-              <a:t>12/11/2025</a:t>
+              <a:t>21/11/2025</a:t>
             </a:fld>
             <a:endParaRPr lang="en-GB"/>
           </a:p>
@@ -3372,7 +3378,7 @@
           <a:p>
             <a:r>
               <a:rPr lang="en-GB" sz="1600" dirty="0"/>
-              <a:t>I want to measure X</a:t>
+              <a:t>I want to measure Y</a:t>
             </a:r>
           </a:p>
         </p:txBody>
@@ -3475,7 +3481,7 @@
         <p:spPr>
           <a:xfrm>
             <a:off x="3515867" y="3434897"/>
-            <a:ext cx="1692869" cy="338554"/>
+            <a:ext cx="1335533" cy="338554"/>
           </a:xfrm>
           <a:prstGeom prst="rect">
             <a:avLst/>
@@ -3538,7 +3544,7 @@
                   </a:schemeClr>
                 </a:solidFill>
               </a:rPr>
-              <a:t>I want to model stuff relating to X but </a:t>
+              <a:t>I want to model stuff relating to Y but </a:t>
             </a:r>
           </a:p>
           <a:p>
@@ -3585,7 +3591,7 @@
           <a:p>
             <a:r>
               <a:rPr lang="en-GB" sz="1600" dirty="0"/>
-              <a:t>I want to explore how my measure captures X (or sub-domains of X)</a:t>
+              <a:t>I want to explore how my measure captures Y (or sub-domains of Y)</a:t>
             </a:r>
           </a:p>
         </p:txBody>
@@ -3620,7 +3626,7 @@
           <a:p>
             <a:r>
               <a:rPr lang="en-GB" sz="1600" dirty="0"/>
-              <a:t>I want to test a theoretical model of how the measure captures X</a:t>
+              <a:t>I want to test a theoretical model of how the measure captures Y</a:t>
             </a:r>
           </a:p>
         </p:txBody>
@@ -3996,7 +4002,7 @@
         <p:spPr>
           <a:xfrm>
             <a:off x="6448760" y="2893403"/>
-            <a:ext cx="1643925" cy="584775"/>
+            <a:ext cx="1968132" cy="338554"/>
           </a:xfrm>
           <a:prstGeom prst="rect">
             <a:avLst/>
@@ -4104,8 +4110,8 @@
         </p:nvCxnSpPr>
         <p:spPr>
           <a:xfrm flipV="1">
-            <a:off x="5208736" y="3185791"/>
-            <a:ext cx="1240024" cy="418383"/>
+            <a:off x="4851400" y="3062680"/>
+            <a:ext cx="1597360" cy="541494"/>
           </a:xfrm>
           <a:prstGeom prst="straightConnector1">
             <a:avLst/>
@@ -4150,8 +4156,8 @@
         </p:nvCxnSpPr>
         <p:spPr>
           <a:xfrm>
-            <a:off x="5208736" y="3604174"/>
-            <a:ext cx="1240024" cy="348214"/>
+            <a:off x="4851400" y="3604174"/>
+            <a:ext cx="1597360" cy="348214"/>
           </a:xfrm>
           <a:prstGeom prst="straightConnector1">
             <a:avLst/>
@@ -4664,6 +4670,1462 @@
     <p:extLst>
       <p:ext uri="{BB962C8B-B14F-4D97-AF65-F5344CB8AC3E}">
         <p14:creationId xmlns:p14="http://schemas.microsoft.com/office/powerpoint/2010/main" val="2108634667"/>
+      </p:ext>
+    </p:extLst>
+  </p:cSld>
+  <p:clrMapOvr>
+    <a:masterClrMapping/>
+  </p:clrMapOvr>
+</p:sld>
+</file>
+
+<file path=ppt/slides/slide2.xml><?xml version="1.0" encoding="utf-8"?>
+<p:sld xmlns:a="http://schemas.openxmlformats.org/drawingml/2006/main" xmlns:r="http://schemas.openxmlformats.org/officeDocument/2006/relationships" xmlns:p="http://schemas.openxmlformats.org/presentationml/2006/main">
+  <p:cSld>
+    <p:spTree>
+      <p:nvGrpSpPr>
+        <p:cNvPr id="1" name=""/>
+        <p:cNvGrpSpPr/>
+        <p:nvPr/>
+      </p:nvGrpSpPr>
+      <p:grpSpPr>
+        <a:xfrm>
+          <a:off x="0" y="0"/>
+          <a:ext cx="0" cy="0"/>
+          <a:chOff x="0" y="0"/>
+          <a:chExt cx="0" cy="0"/>
+        </a:xfrm>
+      </p:grpSpPr>
+      <p:sp>
+        <p:nvSpPr>
+          <p:cNvPr id="4" name="TextBox 3">
+            <a:extLst>
+              <a:ext uri="{FF2B5EF4-FFF2-40B4-BE49-F238E27FC236}">
+                <a16:creationId xmlns:a16="http://schemas.microsoft.com/office/drawing/2014/main" id="{98FAD1AE-B37C-437A-864F-32ECA86D5C51}"/>
+              </a:ext>
+            </a:extLst>
+          </p:cNvPr>
+          <p:cNvSpPr txBox="1"/>
+          <p:nvPr/>
+        </p:nvSpPr>
+        <p:spPr>
+          <a:xfrm>
+            <a:off x="51760" y="1552107"/>
+            <a:ext cx="1223353" cy="584775"/>
+          </a:xfrm>
+          <a:prstGeom prst="rect">
+            <a:avLst/>
+          </a:prstGeom>
+          <a:noFill/>
+        </p:spPr>
+        <p:txBody>
+          <a:bodyPr wrap="square" rtlCol="0">
+            <a:spAutoFit/>
+          </a:bodyPr>
+          <a:lstStyle/>
+          <a:p>
+            <a:r>
+              <a:rPr lang="en-GB" sz="1600" dirty="0"/>
+              <a:t>I want to measure Y</a:t>
+            </a:r>
+          </a:p>
+        </p:txBody>
+      </p:sp>
+      <p:sp>
+        <p:nvSpPr>
+          <p:cNvPr id="5" name="TextBox 4">
+            <a:extLst>
+              <a:ext uri="{FF2B5EF4-FFF2-40B4-BE49-F238E27FC236}">
+                <a16:creationId xmlns:a16="http://schemas.microsoft.com/office/drawing/2014/main" id="{B48AE82C-A3FD-46B5-814D-986AA3989568}"/>
+              </a:ext>
+            </a:extLst>
+          </p:cNvPr>
+          <p:cNvSpPr txBox="1"/>
+          <p:nvPr/>
+        </p:nvSpPr>
+        <p:spPr>
+          <a:xfrm>
+            <a:off x="1700183" y="2761399"/>
+            <a:ext cx="1163373" cy="584775"/>
+          </a:xfrm>
+          <a:prstGeom prst="rect">
+            <a:avLst/>
+          </a:prstGeom>
+          <a:noFill/>
+        </p:spPr>
+        <p:txBody>
+          <a:bodyPr wrap="square" rtlCol="0">
+            <a:spAutoFit/>
+          </a:bodyPr>
+          <a:lstStyle/>
+          <a:p>
+            <a:r>
+              <a:rPr lang="en-GB" sz="1600" dirty="0"/>
+              <a:t>multi-item measure</a:t>
+            </a:r>
+          </a:p>
+        </p:txBody>
+      </p:sp>
+      <p:sp>
+        <p:nvSpPr>
+          <p:cNvPr id="6" name="TextBox 5">
+            <a:extLst>
+              <a:ext uri="{FF2B5EF4-FFF2-40B4-BE49-F238E27FC236}">
+                <a16:creationId xmlns:a16="http://schemas.microsoft.com/office/drawing/2014/main" id="{DC777DA6-701A-4BA5-8986-EA3280C35C85}"/>
+              </a:ext>
+            </a:extLst>
+          </p:cNvPr>
+          <p:cNvSpPr txBox="1"/>
+          <p:nvPr/>
+        </p:nvSpPr>
+        <p:spPr>
+          <a:xfrm>
+            <a:off x="1596248" y="218700"/>
+            <a:ext cx="1267308" cy="584775"/>
+          </a:xfrm>
+          <a:prstGeom prst="rect">
+            <a:avLst/>
+          </a:prstGeom>
+          <a:noFill/>
+          <a:ln>
+            <a:solidFill>
+              <a:schemeClr val="bg1">
+                <a:lumMod val="65000"/>
+              </a:schemeClr>
+            </a:solidFill>
+          </a:ln>
+        </p:spPr>
+        <p:txBody>
+          <a:bodyPr wrap="square" rtlCol="0">
+            <a:spAutoFit/>
+          </a:bodyPr>
+          <a:lstStyle/>
+          <a:p>
+            <a:r>
+              <a:rPr lang="en-GB" sz="1600" dirty="0">
+                <a:solidFill>
+                  <a:schemeClr val="bg1">
+                    <a:lumMod val="65000"/>
+                  </a:schemeClr>
+                </a:solidFill>
+              </a:rPr>
+              <a:t>single-item measure</a:t>
+            </a:r>
+          </a:p>
+        </p:txBody>
+      </p:sp>
+      <p:sp>
+        <p:nvSpPr>
+          <p:cNvPr id="7" name="TextBox 6">
+            <a:extLst>
+              <a:ext uri="{FF2B5EF4-FFF2-40B4-BE49-F238E27FC236}">
+                <a16:creationId xmlns:a16="http://schemas.microsoft.com/office/drawing/2014/main" id="{BCCE6EC7-7354-44AA-B1C3-3B756FD00856}"/>
+              </a:ext>
+            </a:extLst>
+          </p:cNvPr>
+          <p:cNvSpPr txBox="1"/>
+          <p:nvPr/>
+        </p:nvSpPr>
+        <p:spPr>
+          <a:xfrm>
+            <a:off x="3515867" y="3434897"/>
+            <a:ext cx="1335533" cy="338554"/>
+          </a:xfrm>
+          <a:prstGeom prst="rect">
+            <a:avLst/>
+          </a:prstGeom>
+          <a:noFill/>
+        </p:spPr>
+        <p:txBody>
+          <a:bodyPr wrap="square" rtlCol="0">
+            <a:spAutoFit/>
+          </a:bodyPr>
+          <a:lstStyle/>
+          <a:p>
+            <a:r>
+              <a:rPr lang="en-GB" sz="1600" dirty="0"/>
+              <a:t>I need scores</a:t>
+            </a:r>
+          </a:p>
+        </p:txBody>
+      </p:sp>
+      <p:sp>
+        <p:nvSpPr>
+          <p:cNvPr id="8" name="TextBox 7">
+            <a:extLst>
+              <a:ext uri="{FF2B5EF4-FFF2-40B4-BE49-F238E27FC236}">
+                <a16:creationId xmlns:a16="http://schemas.microsoft.com/office/drawing/2014/main" id="{2DD7A26C-6F28-458B-95AB-8F25AE5E95E6}"/>
+              </a:ext>
+            </a:extLst>
+          </p:cNvPr>
+          <p:cNvSpPr txBox="1"/>
+          <p:nvPr/>
+        </p:nvSpPr>
+        <p:spPr>
+          <a:xfrm>
+            <a:off x="3515867" y="4306825"/>
+            <a:ext cx="2134433" cy="1077218"/>
+          </a:xfrm>
+          <a:prstGeom prst="rect">
+            <a:avLst/>
+          </a:prstGeom>
+          <a:noFill/>
+          <a:ln>
+            <a:solidFill>
+              <a:schemeClr val="bg1">
+                <a:lumMod val="65000"/>
+              </a:schemeClr>
+            </a:solidFill>
+          </a:ln>
+        </p:spPr>
+        <p:txBody>
+          <a:bodyPr wrap="square" rtlCol="0">
+            <a:spAutoFit/>
+          </a:bodyPr>
+          <a:lstStyle/>
+          <a:p>
+            <a:r>
+              <a:rPr lang="en-GB" sz="1600" dirty="0">
+                <a:solidFill>
+                  <a:schemeClr val="bg1">
+                    <a:lumMod val="65000"/>
+                  </a:schemeClr>
+                </a:solidFill>
+              </a:rPr>
+              <a:t>I want to model stuff relating to Y but </a:t>
+            </a:r>
+          </a:p>
+          <a:p>
+            <a:r>
+              <a:rPr lang="en-GB" sz="1600" dirty="0">
+                <a:solidFill>
+                  <a:schemeClr val="bg1">
+                    <a:lumMod val="65000"/>
+                  </a:schemeClr>
+                </a:solidFill>
+              </a:rPr>
+              <a:t>explicitly model the error in my measure</a:t>
+            </a:r>
+          </a:p>
+        </p:txBody>
+      </p:sp>
+      <p:sp>
+        <p:nvSpPr>
+          <p:cNvPr id="9" name="TextBox 8">
+            <a:extLst>
+              <a:ext uri="{FF2B5EF4-FFF2-40B4-BE49-F238E27FC236}">
+                <a16:creationId xmlns:a16="http://schemas.microsoft.com/office/drawing/2014/main" id="{56834B37-4C20-4119-85AE-D057D5F9083F}"/>
+              </a:ext>
+            </a:extLst>
+          </p:cNvPr>
+          <p:cNvSpPr txBox="1"/>
+          <p:nvPr/>
+        </p:nvSpPr>
+        <p:spPr>
+          <a:xfrm>
+            <a:off x="3515868" y="451613"/>
+            <a:ext cx="2134434" cy="830997"/>
+          </a:xfrm>
+          <a:prstGeom prst="rect">
+            <a:avLst/>
+          </a:prstGeom>
+          <a:noFill/>
+        </p:spPr>
+        <p:txBody>
+          <a:bodyPr wrap="square" rtlCol="0">
+            <a:spAutoFit/>
+          </a:bodyPr>
+          <a:lstStyle/>
+          <a:p>
+            <a:r>
+              <a:rPr lang="en-GB" sz="1600" dirty="0"/>
+              <a:t>I want to explore how my measure captures Y (or sub-domains of Y)</a:t>
+            </a:r>
+          </a:p>
+        </p:txBody>
+      </p:sp>
+      <p:sp>
+        <p:nvSpPr>
+          <p:cNvPr id="10" name="TextBox 9">
+            <a:extLst>
+              <a:ext uri="{FF2B5EF4-FFF2-40B4-BE49-F238E27FC236}">
+                <a16:creationId xmlns:a16="http://schemas.microsoft.com/office/drawing/2014/main" id="{8A74BCC3-2DBB-4A82-A79C-57362BA3C8BE}"/>
+              </a:ext>
+            </a:extLst>
+          </p:cNvPr>
+          <p:cNvSpPr txBox="1"/>
+          <p:nvPr/>
+        </p:nvSpPr>
+        <p:spPr>
+          <a:xfrm>
+            <a:off x="3515867" y="1816185"/>
+            <a:ext cx="2134433" cy="1077218"/>
+          </a:xfrm>
+          <a:prstGeom prst="rect">
+            <a:avLst/>
+          </a:prstGeom>
+          <a:noFill/>
+        </p:spPr>
+        <p:txBody>
+          <a:bodyPr wrap="square" rtlCol="0">
+            <a:spAutoFit/>
+          </a:bodyPr>
+          <a:lstStyle/>
+          <a:p>
+            <a:r>
+              <a:rPr lang="en-GB" sz="1600" dirty="0"/>
+              <a:t>I want to test a theoretical model of how the measure captures Y</a:t>
+            </a:r>
+          </a:p>
+        </p:txBody>
+      </p:sp>
+      <p:cxnSp>
+        <p:nvCxnSpPr>
+          <p:cNvPr id="12" name="Straight Arrow Connector 11">
+            <a:extLst>
+              <a:ext uri="{FF2B5EF4-FFF2-40B4-BE49-F238E27FC236}">
+                <a16:creationId xmlns:a16="http://schemas.microsoft.com/office/drawing/2014/main" id="{112C68FD-135F-462D-ABC9-DCE19EC32A12}"/>
+              </a:ext>
+            </a:extLst>
+          </p:cNvPr>
+          <p:cNvCxnSpPr>
+            <a:cxnSpLocks/>
+            <a:stCxn id="4" idx="3"/>
+            <a:endCxn id="5" idx="1"/>
+          </p:cNvCxnSpPr>
+          <p:nvPr/>
+        </p:nvCxnSpPr>
+        <p:spPr>
+          <a:xfrm>
+            <a:off x="1275113" y="1844495"/>
+            <a:ext cx="425070" cy="1209292"/>
+          </a:xfrm>
+          <a:prstGeom prst="straightConnector1">
+            <a:avLst/>
+          </a:prstGeom>
+          <a:ln w="19050">
+            <a:solidFill>
+              <a:schemeClr val="tx1"/>
+            </a:solidFill>
+            <a:tailEnd type="triangle"/>
+          </a:ln>
+        </p:spPr>
+        <p:style>
+          <a:lnRef idx="1">
+            <a:schemeClr val="accent1"/>
+          </a:lnRef>
+          <a:fillRef idx="0">
+            <a:schemeClr val="accent1"/>
+          </a:fillRef>
+          <a:effectRef idx="0">
+            <a:schemeClr val="accent1"/>
+          </a:effectRef>
+          <a:fontRef idx="minor">
+            <a:schemeClr val="tx1"/>
+          </a:fontRef>
+        </p:style>
+      </p:cxnSp>
+      <p:cxnSp>
+        <p:nvCxnSpPr>
+          <p:cNvPr id="14" name="Straight Arrow Connector 13">
+            <a:extLst>
+              <a:ext uri="{FF2B5EF4-FFF2-40B4-BE49-F238E27FC236}">
+                <a16:creationId xmlns:a16="http://schemas.microsoft.com/office/drawing/2014/main" id="{1E509F73-8AC9-49AB-AC39-EF1ECC7B134F}"/>
+              </a:ext>
+            </a:extLst>
+          </p:cNvPr>
+          <p:cNvCxnSpPr>
+            <a:cxnSpLocks/>
+            <a:stCxn id="4" idx="3"/>
+            <a:endCxn id="6" idx="1"/>
+          </p:cNvCxnSpPr>
+          <p:nvPr/>
+        </p:nvCxnSpPr>
+        <p:spPr>
+          <a:xfrm flipV="1">
+            <a:off x="1275113" y="511088"/>
+            <a:ext cx="321135" cy="1333407"/>
+          </a:xfrm>
+          <a:prstGeom prst="straightConnector1">
+            <a:avLst/>
+          </a:prstGeom>
+          <a:ln>
+            <a:solidFill>
+              <a:schemeClr val="bg1">
+                <a:lumMod val="65000"/>
+              </a:schemeClr>
+            </a:solidFill>
+            <a:tailEnd type="triangle"/>
+          </a:ln>
+        </p:spPr>
+        <p:style>
+          <a:lnRef idx="1">
+            <a:schemeClr val="accent1"/>
+          </a:lnRef>
+          <a:fillRef idx="0">
+            <a:schemeClr val="accent1"/>
+          </a:fillRef>
+          <a:effectRef idx="0">
+            <a:schemeClr val="accent1"/>
+          </a:effectRef>
+          <a:fontRef idx="minor">
+            <a:schemeClr val="tx1"/>
+          </a:fontRef>
+        </p:style>
+      </p:cxnSp>
+      <p:cxnSp>
+        <p:nvCxnSpPr>
+          <p:cNvPr id="19" name="Straight Arrow Connector 18">
+            <a:extLst>
+              <a:ext uri="{FF2B5EF4-FFF2-40B4-BE49-F238E27FC236}">
+                <a16:creationId xmlns:a16="http://schemas.microsoft.com/office/drawing/2014/main" id="{C8122292-5BCD-49AD-B55D-2B7251BBDD16}"/>
+              </a:ext>
+            </a:extLst>
+          </p:cNvPr>
+          <p:cNvCxnSpPr>
+            <a:cxnSpLocks/>
+            <a:stCxn id="5" idx="3"/>
+            <a:endCxn id="9" idx="1"/>
+          </p:cNvCxnSpPr>
+          <p:nvPr/>
+        </p:nvCxnSpPr>
+        <p:spPr>
+          <a:xfrm flipV="1">
+            <a:off x="2863556" y="867112"/>
+            <a:ext cx="652312" cy="2186675"/>
+          </a:xfrm>
+          <a:prstGeom prst="straightConnector1">
+            <a:avLst/>
+          </a:prstGeom>
+          <a:ln w="19050">
+            <a:solidFill>
+              <a:schemeClr val="tx1"/>
+            </a:solidFill>
+            <a:tailEnd type="triangle"/>
+          </a:ln>
+        </p:spPr>
+        <p:style>
+          <a:lnRef idx="1">
+            <a:schemeClr val="accent1"/>
+          </a:lnRef>
+          <a:fillRef idx="0">
+            <a:schemeClr val="accent1"/>
+          </a:fillRef>
+          <a:effectRef idx="0">
+            <a:schemeClr val="accent1"/>
+          </a:effectRef>
+          <a:fontRef idx="minor">
+            <a:schemeClr val="tx1"/>
+          </a:fontRef>
+        </p:style>
+      </p:cxnSp>
+      <p:cxnSp>
+        <p:nvCxnSpPr>
+          <p:cNvPr id="21" name="Straight Arrow Connector 20">
+            <a:extLst>
+              <a:ext uri="{FF2B5EF4-FFF2-40B4-BE49-F238E27FC236}">
+                <a16:creationId xmlns:a16="http://schemas.microsoft.com/office/drawing/2014/main" id="{DBCCEA58-2969-40F1-A79F-D5B767063677}"/>
+              </a:ext>
+            </a:extLst>
+          </p:cNvPr>
+          <p:cNvCxnSpPr>
+            <a:cxnSpLocks/>
+            <a:stCxn id="5" idx="3"/>
+            <a:endCxn id="10" idx="1"/>
+          </p:cNvCxnSpPr>
+          <p:nvPr/>
+        </p:nvCxnSpPr>
+        <p:spPr>
+          <a:xfrm flipV="1">
+            <a:off x="2863556" y="2354794"/>
+            <a:ext cx="652311" cy="698993"/>
+          </a:xfrm>
+          <a:prstGeom prst="straightConnector1">
+            <a:avLst/>
+          </a:prstGeom>
+          <a:ln w="19050">
+            <a:solidFill>
+              <a:schemeClr val="tx1"/>
+            </a:solidFill>
+            <a:tailEnd type="triangle"/>
+          </a:ln>
+        </p:spPr>
+        <p:style>
+          <a:lnRef idx="1">
+            <a:schemeClr val="accent1"/>
+          </a:lnRef>
+          <a:fillRef idx="0">
+            <a:schemeClr val="accent1"/>
+          </a:fillRef>
+          <a:effectRef idx="0">
+            <a:schemeClr val="accent1"/>
+          </a:effectRef>
+          <a:fontRef idx="minor">
+            <a:schemeClr val="tx1"/>
+          </a:fontRef>
+        </p:style>
+      </p:cxnSp>
+      <p:cxnSp>
+        <p:nvCxnSpPr>
+          <p:cNvPr id="23" name="Straight Arrow Connector 22">
+            <a:extLst>
+              <a:ext uri="{FF2B5EF4-FFF2-40B4-BE49-F238E27FC236}">
+                <a16:creationId xmlns:a16="http://schemas.microsoft.com/office/drawing/2014/main" id="{B8A227A0-032E-47FD-8F88-2D90C6F04ECA}"/>
+              </a:ext>
+            </a:extLst>
+          </p:cNvPr>
+          <p:cNvCxnSpPr>
+            <a:cxnSpLocks/>
+            <a:stCxn id="5" idx="3"/>
+            <a:endCxn id="7" idx="1"/>
+          </p:cNvCxnSpPr>
+          <p:nvPr/>
+        </p:nvCxnSpPr>
+        <p:spPr>
+          <a:xfrm>
+            <a:off x="2863556" y="3053787"/>
+            <a:ext cx="652311" cy="550387"/>
+          </a:xfrm>
+          <a:prstGeom prst="straightConnector1">
+            <a:avLst/>
+          </a:prstGeom>
+          <a:ln w="19050">
+            <a:solidFill>
+              <a:schemeClr val="tx1"/>
+            </a:solidFill>
+            <a:tailEnd type="triangle"/>
+          </a:ln>
+        </p:spPr>
+        <p:style>
+          <a:lnRef idx="1">
+            <a:schemeClr val="accent1"/>
+          </a:lnRef>
+          <a:fillRef idx="0">
+            <a:schemeClr val="accent1"/>
+          </a:fillRef>
+          <a:effectRef idx="0">
+            <a:schemeClr val="accent1"/>
+          </a:effectRef>
+          <a:fontRef idx="minor">
+            <a:schemeClr val="tx1"/>
+          </a:fontRef>
+        </p:style>
+      </p:cxnSp>
+      <p:cxnSp>
+        <p:nvCxnSpPr>
+          <p:cNvPr id="25" name="Straight Arrow Connector 24">
+            <a:extLst>
+              <a:ext uri="{FF2B5EF4-FFF2-40B4-BE49-F238E27FC236}">
+                <a16:creationId xmlns:a16="http://schemas.microsoft.com/office/drawing/2014/main" id="{DC27E685-D886-467E-9614-9EE73F158FB6}"/>
+              </a:ext>
+            </a:extLst>
+          </p:cNvPr>
+          <p:cNvCxnSpPr>
+            <a:cxnSpLocks/>
+            <a:stCxn id="5" idx="3"/>
+            <a:endCxn id="8" idx="1"/>
+          </p:cNvCxnSpPr>
+          <p:nvPr/>
+        </p:nvCxnSpPr>
+        <p:spPr>
+          <a:xfrm>
+            <a:off x="2863556" y="3053787"/>
+            <a:ext cx="652311" cy="1791647"/>
+          </a:xfrm>
+          <a:prstGeom prst="straightConnector1">
+            <a:avLst/>
+          </a:prstGeom>
+          <a:ln>
+            <a:solidFill>
+              <a:schemeClr val="bg1">
+                <a:lumMod val="65000"/>
+              </a:schemeClr>
+            </a:solidFill>
+            <a:tailEnd type="triangle"/>
+          </a:ln>
+        </p:spPr>
+        <p:style>
+          <a:lnRef idx="1">
+            <a:schemeClr val="accent1"/>
+          </a:lnRef>
+          <a:fillRef idx="0">
+            <a:schemeClr val="accent1"/>
+          </a:fillRef>
+          <a:effectRef idx="0">
+            <a:schemeClr val="accent1"/>
+          </a:effectRef>
+          <a:fontRef idx="minor">
+            <a:schemeClr val="tx1"/>
+          </a:fontRef>
+        </p:style>
+      </p:cxnSp>
+      <p:sp>
+        <p:nvSpPr>
+          <p:cNvPr id="49" name="TextBox 48">
+            <a:extLst>
+              <a:ext uri="{FF2B5EF4-FFF2-40B4-BE49-F238E27FC236}">
+                <a16:creationId xmlns:a16="http://schemas.microsoft.com/office/drawing/2014/main" id="{ADD45C34-7466-40AD-A5F7-D2CEA9847919}"/>
+              </a:ext>
+            </a:extLst>
+          </p:cNvPr>
+          <p:cNvSpPr txBox="1"/>
+          <p:nvPr/>
+        </p:nvSpPr>
+        <p:spPr>
+          <a:xfrm>
+            <a:off x="6479788" y="697834"/>
+            <a:ext cx="790935" cy="338554"/>
+          </a:xfrm>
+          <a:prstGeom prst="rect">
+            <a:avLst/>
+          </a:prstGeom>
+          <a:noFill/>
+        </p:spPr>
+        <p:txBody>
+          <a:bodyPr wrap="square" rtlCol="0">
+            <a:spAutoFit/>
+          </a:bodyPr>
+          <a:lstStyle/>
+          <a:p>
+            <a:r>
+              <a:rPr lang="en-GB" sz="1600" dirty="0"/>
+              <a:t>EFA</a:t>
+            </a:r>
+          </a:p>
+        </p:txBody>
+      </p:sp>
+      <p:sp>
+        <p:nvSpPr>
+          <p:cNvPr id="50" name="TextBox 49">
+            <a:extLst>
+              <a:ext uri="{FF2B5EF4-FFF2-40B4-BE49-F238E27FC236}">
+                <a16:creationId xmlns:a16="http://schemas.microsoft.com/office/drawing/2014/main" id="{100B97B1-1441-4995-886E-B9777DDAAF97}"/>
+              </a:ext>
+            </a:extLst>
+          </p:cNvPr>
+          <p:cNvSpPr txBox="1"/>
+          <p:nvPr/>
+        </p:nvSpPr>
+        <p:spPr>
+          <a:xfrm>
+            <a:off x="7309274" y="562850"/>
+            <a:ext cx="2852649" cy="584775"/>
+          </a:xfrm>
+          <a:prstGeom prst="rect">
+            <a:avLst/>
+          </a:prstGeom>
+          <a:noFill/>
+        </p:spPr>
+        <p:txBody>
+          <a:bodyPr wrap="square" rtlCol="0">
+            <a:spAutoFit/>
+          </a:bodyPr>
+          <a:lstStyle/>
+          <a:p>
+            <a:r>
+              <a:rPr lang="en-GB" sz="1600" dirty="0"/>
+              <a:t>rotations</a:t>
+            </a:r>
+          </a:p>
+          <a:p>
+            <a:r>
+              <a:rPr lang="en-GB" sz="1600" dirty="0"/>
+              <a:t>factor extraction methods</a:t>
+            </a:r>
+          </a:p>
+        </p:txBody>
+      </p:sp>
+      <p:sp>
+        <p:nvSpPr>
+          <p:cNvPr id="51" name="TextBox 50">
+            <a:extLst>
+              <a:ext uri="{FF2B5EF4-FFF2-40B4-BE49-F238E27FC236}">
+                <a16:creationId xmlns:a16="http://schemas.microsoft.com/office/drawing/2014/main" id="{8320DA0E-EAF2-4B88-9370-29C070730E32}"/>
+              </a:ext>
+            </a:extLst>
+          </p:cNvPr>
+          <p:cNvSpPr txBox="1"/>
+          <p:nvPr/>
+        </p:nvSpPr>
+        <p:spPr>
+          <a:xfrm>
+            <a:off x="6448760" y="2893403"/>
+            <a:ext cx="1968132" cy="338554"/>
+          </a:xfrm>
+          <a:prstGeom prst="rect">
+            <a:avLst/>
+          </a:prstGeom>
+          <a:noFill/>
+        </p:spPr>
+        <p:txBody>
+          <a:bodyPr wrap="square" rtlCol="0">
+            <a:spAutoFit/>
+          </a:bodyPr>
+          <a:lstStyle/>
+          <a:p>
+            <a:r>
+              <a:rPr lang="en-GB" sz="1600" dirty="0"/>
+              <a:t>Mean/Sum scores</a:t>
+            </a:r>
+          </a:p>
+        </p:txBody>
+      </p:sp>
+      <p:sp>
+        <p:nvSpPr>
+          <p:cNvPr id="52" name="TextBox 51">
+            <a:extLst>
+              <a:ext uri="{FF2B5EF4-FFF2-40B4-BE49-F238E27FC236}">
+                <a16:creationId xmlns:a16="http://schemas.microsoft.com/office/drawing/2014/main" id="{EA0E227E-375D-4CDA-8CD6-DC4E23329ADA}"/>
+              </a:ext>
+            </a:extLst>
+          </p:cNvPr>
+          <p:cNvSpPr txBox="1"/>
+          <p:nvPr/>
+        </p:nvSpPr>
+        <p:spPr>
+          <a:xfrm>
+            <a:off x="6448760" y="3783111"/>
+            <a:ext cx="1643925" cy="338554"/>
+          </a:xfrm>
+          <a:prstGeom prst="rect">
+            <a:avLst/>
+          </a:prstGeom>
+          <a:noFill/>
+        </p:spPr>
+        <p:txBody>
+          <a:bodyPr wrap="square" rtlCol="0">
+            <a:spAutoFit/>
+          </a:bodyPr>
+          <a:lstStyle/>
+          <a:p>
+            <a:r>
+              <a:rPr lang="en-GB" sz="1600" dirty="0"/>
+              <a:t>Weighted Scores</a:t>
+            </a:r>
+          </a:p>
+        </p:txBody>
+      </p:sp>
+      <p:sp>
+        <p:nvSpPr>
+          <p:cNvPr id="54" name="TextBox 53">
+            <a:extLst>
+              <a:ext uri="{FF2B5EF4-FFF2-40B4-BE49-F238E27FC236}">
+                <a16:creationId xmlns:a16="http://schemas.microsoft.com/office/drawing/2014/main" id="{6C4EB7F4-E53A-4EB6-A3FD-04AD62EB722F}"/>
+              </a:ext>
+            </a:extLst>
+          </p:cNvPr>
+          <p:cNvSpPr txBox="1"/>
+          <p:nvPr/>
+        </p:nvSpPr>
+        <p:spPr>
+          <a:xfrm>
+            <a:off x="9651977" y="3783111"/>
+            <a:ext cx="2306128" cy="338554"/>
+          </a:xfrm>
+          <a:prstGeom prst="rect">
+            <a:avLst/>
+          </a:prstGeom>
+          <a:noFill/>
+        </p:spPr>
+        <p:txBody>
+          <a:bodyPr wrap="square" rtlCol="0">
+            <a:spAutoFit/>
+          </a:bodyPr>
+          <a:lstStyle/>
+          <a:p>
+            <a:r>
+              <a:rPr lang="en-GB" sz="1600" dirty="0"/>
+              <a:t>factor score estimation</a:t>
+            </a:r>
+          </a:p>
+        </p:txBody>
+      </p:sp>
+      <p:cxnSp>
+        <p:nvCxnSpPr>
+          <p:cNvPr id="67" name="Straight Arrow Connector 66">
+            <a:extLst>
+              <a:ext uri="{FF2B5EF4-FFF2-40B4-BE49-F238E27FC236}">
+                <a16:creationId xmlns:a16="http://schemas.microsoft.com/office/drawing/2014/main" id="{65AB5679-699E-4CBC-88F7-5DA0D6BCA5E6}"/>
+              </a:ext>
+            </a:extLst>
+          </p:cNvPr>
+          <p:cNvCxnSpPr>
+            <a:cxnSpLocks/>
+            <a:stCxn id="7" idx="3"/>
+            <a:endCxn id="51" idx="1"/>
+          </p:cNvCxnSpPr>
+          <p:nvPr/>
+        </p:nvCxnSpPr>
+        <p:spPr>
+          <a:xfrm flipV="1">
+            <a:off x="4851400" y="3062680"/>
+            <a:ext cx="1597360" cy="541494"/>
+          </a:xfrm>
+          <a:prstGeom prst="straightConnector1">
+            <a:avLst/>
+          </a:prstGeom>
+          <a:ln w="19050">
+            <a:solidFill>
+              <a:schemeClr val="tx1"/>
+            </a:solidFill>
+            <a:tailEnd type="triangle"/>
+          </a:ln>
+        </p:spPr>
+        <p:style>
+          <a:lnRef idx="1">
+            <a:schemeClr val="accent1"/>
+          </a:lnRef>
+          <a:fillRef idx="0">
+            <a:schemeClr val="accent1"/>
+          </a:fillRef>
+          <a:effectRef idx="0">
+            <a:schemeClr val="accent1"/>
+          </a:effectRef>
+          <a:fontRef idx="minor">
+            <a:schemeClr val="tx1"/>
+          </a:fontRef>
+        </p:style>
+      </p:cxnSp>
+      <p:cxnSp>
+        <p:nvCxnSpPr>
+          <p:cNvPr id="69" name="Straight Arrow Connector 68">
+            <a:extLst>
+              <a:ext uri="{FF2B5EF4-FFF2-40B4-BE49-F238E27FC236}">
+                <a16:creationId xmlns:a16="http://schemas.microsoft.com/office/drawing/2014/main" id="{5D130D36-F034-4B25-A8B4-1F191217379D}"/>
+              </a:ext>
+            </a:extLst>
+          </p:cNvPr>
+          <p:cNvCxnSpPr>
+            <a:cxnSpLocks/>
+            <a:stCxn id="7" idx="3"/>
+            <a:endCxn id="52" idx="1"/>
+          </p:cNvCxnSpPr>
+          <p:nvPr/>
+        </p:nvCxnSpPr>
+        <p:spPr>
+          <a:xfrm>
+            <a:off x="4851400" y="3604174"/>
+            <a:ext cx="1597360" cy="348214"/>
+          </a:xfrm>
+          <a:prstGeom prst="straightConnector1">
+            <a:avLst/>
+          </a:prstGeom>
+          <a:ln w="19050">
+            <a:solidFill>
+              <a:schemeClr val="tx1"/>
+            </a:solidFill>
+            <a:tailEnd type="triangle"/>
+          </a:ln>
+        </p:spPr>
+        <p:style>
+          <a:lnRef idx="1">
+            <a:schemeClr val="accent1"/>
+          </a:lnRef>
+          <a:fillRef idx="0">
+            <a:schemeClr val="accent1"/>
+          </a:fillRef>
+          <a:effectRef idx="0">
+            <a:schemeClr val="accent1"/>
+          </a:effectRef>
+          <a:fontRef idx="minor">
+            <a:schemeClr val="tx1"/>
+          </a:fontRef>
+        </p:style>
+      </p:cxnSp>
+      <p:cxnSp>
+        <p:nvCxnSpPr>
+          <p:cNvPr id="71" name="Straight Arrow Connector 70">
+            <a:extLst>
+              <a:ext uri="{FF2B5EF4-FFF2-40B4-BE49-F238E27FC236}">
+                <a16:creationId xmlns:a16="http://schemas.microsoft.com/office/drawing/2014/main" id="{3C7AF86B-30F4-49F1-A3CE-DC1867802A46}"/>
+              </a:ext>
+            </a:extLst>
+          </p:cNvPr>
+          <p:cNvCxnSpPr>
+            <a:cxnSpLocks/>
+            <a:stCxn id="52" idx="3"/>
+            <a:endCxn id="72" idx="1"/>
+          </p:cNvCxnSpPr>
+          <p:nvPr/>
+        </p:nvCxnSpPr>
+        <p:spPr>
+          <a:xfrm>
+            <a:off x="8092685" y="3952388"/>
+            <a:ext cx="324207" cy="3112"/>
+          </a:xfrm>
+          <a:prstGeom prst="straightConnector1">
+            <a:avLst/>
+          </a:prstGeom>
+          <a:ln w="19050">
+            <a:solidFill>
+              <a:schemeClr val="tx1"/>
+            </a:solidFill>
+            <a:tailEnd type="triangle"/>
+          </a:ln>
+        </p:spPr>
+        <p:style>
+          <a:lnRef idx="1">
+            <a:schemeClr val="accent1"/>
+          </a:lnRef>
+          <a:fillRef idx="0">
+            <a:schemeClr val="accent1"/>
+          </a:fillRef>
+          <a:effectRef idx="0">
+            <a:schemeClr val="accent1"/>
+          </a:effectRef>
+          <a:fontRef idx="minor">
+            <a:schemeClr val="tx1"/>
+          </a:fontRef>
+        </p:style>
+      </p:cxnSp>
+      <p:grpSp>
+        <p:nvGrpSpPr>
+          <p:cNvPr id="85" name="Group 84">
+            <a:extLst>
+              <a:ext uri="{FF2B5EF4-FFF2-40B4-BE49-F238E27FC236}">
+                <a16:creationId xmlns:a16="http://schemas.microsoft.com/office/drawing/2014/main" id="{C402875A-AAE2-422B-BB15-C85643B09C89}"/>
+              </a:ext>
+            </a:extLst>
+          </p:cNvPr>
+          <p:cNvGrpSpPr/>
+          <p:nvPr/>
+        </p:nvGrpSpPr>
+        <p:grpSpPr>
+          <a:xfrm>
+            <a:off x="8416892" y="3534111"/>
+            <a:ext cx="735734" cy="830997"/>
+            <a:chOff x="9204385" y="3534111"/>
+            <a:chExt cx="1030260" cy="830997"/>
+          </a:xfrm>
+        </p:grpSpPr>
+        <p:sp>
+          <p:nvSpPr>
+            <p:cNvPr id="53" name="TextBox 52">
+              <a:extLst>
+                <a:ext uri="{FF2B5EF4-FFF2-40B4-BE49-F238E27FC236}">
+                  <a16:creationId xmlns:a16="http://schemas.microsoft.com/office/drawing/2014/main" id="{A00A5B55-39CD-426C-B83C-A6B6D6F16564}"/>
+                </a:ext>
+              </a:extLst>
+            </p:cNvPr>
+            <p:cNvSpPr txBox="1"/>
+            <p:nvPr/>
+          </p:nvSpPr>
+          <p:spPr>
+            <a:xfrm>
+              <a:off x="9443710" y="3534111"/>
+              <a:ext cx="790935" cy="830997"/>
+            </a:xfrm>
+            <a:prstGeom prst="rect">
+              <a:avLst/>
+            </a:prstGeom>
+            <a:noFill/>
+            <a:ln w="19050">
+              <a:noFill/>
+            </a:ln>
+          </p:spPr>
+          <p:txBody>
+            <a:bodyPr wrap="square" rtlCol="0">
+              <a:spAutoFit/>
+            </a:bodyPr>
+            <a:lstStyle/>
+            <a:p>
+              <a:r>
+                <a:rPr lang="en-GB" sz="1600" dirty="0"/>
+                <a:t>PCA</a:t>
+              </a:r>
+            </a:p>
+            <a:p>
+              <a:r>
+                <a:rPr lang="en-GB" sz="1600" dirty="0"/>
+                <a:t>EFA</a:t>
+              </a:r>
+            </a:p>
+            <a:p>
+              <a:r>
+                <a:rPr lang="en-GB" sz="1600" dirty="0"/>
+                <a:t>CFA</a:t>
+              </a:r>
+            </a:p>
+          </p:txBody>
+        </p:sp>
+        <p:sp>
+          <p:nvSpPr>
+            <p:cNvPr id="72" name="Left Brace 71">
+              <a:extLst>
+                <a:ext uri="{FF2B5EF4-FFF2-40B4-BE49-F238E27FC236}">
+                  <a16:creationId xmlns:a16="http://schemas.microsoft.com/office/drawing/2014/main" id="{71C9E102-38ED-409F-83D8-F928620BEECA}"/>
+                </a:ext>
+              </a:extLst>
+            </p:cNvPr>
+            <p:cNvSpPr/>
+            <p:nvPr/>
+          </p:nvSpPr>
+          <p:spPr>
+            <a:xfrm>
+              <a:off x="9204385" y="3604174"/>
+              <a:ext cx="345056" cy="702651"/>
+            </a:xfrm>
+            <a:prstGeom prst="leftBrace">
+              <a:avLst/>
+            </a:prstGeom>
+            <a:ln w="19050">
+              <a:solidFill>
+                <a:schemeClr val="tx1"/>
+              </a:solidFill>
+            </a:ln>
+          </p:spPr>
+          <p:style>
+            <a:lnRef idx="1">
+              <a:schemeClr val="accent1"/>
+            </a:lnRef>
+            <a:fillRef idx="0">
+              <a:schemeClr val="accent1"/>
+            </a:fillRef>
+            <a:effectRef idx="0">
+              <a:schemeClr val="accent1"/>
+            </a:effectRef>
+            <a:fontRef idx="minor">
+              <a:schemeClr val="tx1"/>
+            </a:fontRef>
+          </p:style>
+          <p:txBody>
+            <a:bodyPr rtlCol="0" anchor="ctr"/>
+            <a:lstStyle/>
+            <a:p>
+              <a:pPr algn="ctr"/>
+              <a:endParaRPr lang="en-GB"/>
+            </a:p>
+          </p:txBody>
+        </p:sp>
+      </p:grpSp>
+      <p:cxnSp>
+        <p:nvCxnSpPr>
+          <p:cNvPr id="80" name="Straight Arrow Connector 79">
+            <a:extLst>
+              <a:ext uri="{FF2B5EF4-FFF2-40B4-BE49-F238E27FC236}">
+                <a16:creationId xmlns:a16="http://schemas.microsoft.com/office/drawing/2014/main" id="{73FF259F-15C7-48ED-99DA-A6135EE0BD0C}"/>
+              </a:ext>
+            </a:extLst>
+          </p:cNvPr>
+          <p:cNvCxnSpPr>
+            <a:stCxn id="9" idx="3"/>
+            <a:endCxn id="49" idx="1"/>
+          </p:cNvCxnSpPr>
+          <p:nvPr/>
+        </p:nvCxnSpPr>
+        <p:spPr>
+          <a:xfrm flipV="1">
+            <a:off x="5650302" y="867111"/>
+            <a:ext cx="829486" cy="1"/>
+          </a:xfrm>
+          <a:prstGeom prst="straightConnector1">
+            <a:avLst/>
+          </a:prstGeom>
+          <a:ln w="19050">
+            <a:solidFill>
+              <a:schemeClr val="tx1"/>
+            </a:solidFill>
+            <a:tailEnd type="triangle"/>
+          </a:ln>
+        </p:spPr>
+        <p:style>
+          <a:lnRef idx="1">
+            <a:schemeClr val="accent1"/>
+          </a:lnRef>
+          <a:fillRef idx="0">
+            <a:schemeClr val="accent1"/>
+          </a:fillRef>
+          <a:effectRef idx="0">
+            <a:schemeClr val="accent1"/>
+          </a:effectRef>
+          <a:fontRef idx="minor">
+            <a:schemeClr val="tx1"/>
+          </a:fontRef>
+        </p:style>
+      </p:cxnSp>
+      <p:sp>
+        <p:nvSpPr>
+          <p:cNvPr id="91" name="Left Brace 90">
+            <a:extLst>
+              <a:ext uri="{FF2B5EF4-FFF2-40B4-BE49-F238E27FC236}">
+                <a16:creationId xmlns:a16="http://schemas.microsoft.com/office/drawing/2014/main" id="{C9412E86-87F6-4470-87FE-9F01EFB9B106}"/>
+              </a:ext>
+            </a:extLst>
+          </p:cNvPr>
+          <p:cNvSpPr/>
+          <p:nvPr/>
+        </p:nvSpPr>
+        <p:spPr>
+          <a:xfrm>
+            <a:off x="7034211" y="635262"/>
+            <a:ext cx="345056" cy="463698"/>
+          </a:xfrm>
+          <a:prstGeom prst="leftBrace">
+            <a:avLst/>
+          </a:prstGeom>
+          <a:ln w="19050">
+            <a:solidFill>
+              <a:schemeClr val="tx1"/>
+            </a:solidFill>
+          </a:ln>
+        </p:spPr>
+        <p:style>
+          <a:lnRef idx="1">
+            <a:schemeClr val="accent1"/>
+          </a:lnRef>
+          <a:fillRef idx="0">
+            <a:schemeClr val="accent1"/>
+          </a:fillRef>
+          <a:effectRef idx="0">
+            <a:schemeClr val="accent1"/>
+          </a:effectRef>
+          <a:fontRef idx="minor">
+            <a:schemeClr val="tx1"/>
+          </a:fontRef>
+        </p:style>
+        <p:txBody>
+          <a:bodyPr rtlCol="0" anchor="ctr"/>
+          <a:lstStyle/>
+          <a:p>
+            <a:pPr algn="ctr"/>
+            <a:endParaRPr lang="en-GB"/>
+          </a:p>
+        </p:txBody>
+      </p:sp>
+      <p:cxnSp>
+        <p:nvCxnSpPr>
+          <p:cNvPr id="93" name="Straight Arrow Connector 92">
+            <a:extLst>
+              <a:ext uri="{FF2B5EF4-FFF2-40B4-BE49-F238E27FC236}">
+                <a16:creationId xmlns:a16="http://schemas.microsoft.com/office/drawing/2014/main" id="{A055D86D-9706-4F9C-898E-EC08B855FF27}"/>
+              </a:ext>
+            </a:extLst>
+          </p:cNvPr>
+          <p:cNvCxnSpPr>
+            <a:stCxn id="53" idx="3"/>
+            <a:endCxn id="54" idx="1"/>
+          </p:cNvCxnSpPr>
+          <p:nvPr/>
+        </p:nvCxnSpPr>
+        <p:spPr>
+          <a:xfrm>
+            <a:off x="9152626" y="3949610"/>
+            <a:ext cx="499351" cy="2778"/>
+          </a:xfrm>
+          <a:prstGeom prst="straightConnector1">
+            <a:avLst/>
+          </a:prstGeom>
+          <a:ln w="19050">
+            <a:solidFill>
+              <a:schemeClr val="tx1"/>
+            </a:solidFill>
+            <a:tailEnd type="triangle"/>
+          </a:ln>
+        </p:spPr>
+        <p:style>
+          <a:lnRef idx="1">
+            <a:schemeClr val="accent1"/>
+          </a:lnRef>
+          <a:fillRef idx="0">
+            <a:schemeClr val="accent1"/>
+          </a:fillRef>
+          <a:effectRef idx="0">
+            <a:schemeClr val="accent1"/>
+          </a:effectRef>
+          <a:fontRef idx="minor">
+            <a:schemeClr val="tx1"/>
+          </a:fontRef>
+        </p:style>
+      </p:cxnSp>
+      <p:sp>
+        <p:nvSpPr>
+          <p:cNvPr id="94" name="TextBox 93">
+            <a:extLst>
+              <a:ext uri="{FF2B5EF4-FFF2-40B4-BE49-F238E27FC236}">
+                <a16:creationId xmlns:a16="http://schemas.microsoft.com/office/drawing/2014/main" id="{AD8C99C2-5104-4EAE-8D03-F05CCCE108E6}"/>
+              </a:ext>
+            </a:extLst>
+          </p:cNvPr>
+          <p:cNvSpPr txBox="1"/>
+          <p:nvPr/>
+        </p:nvSpPr>
+        <p:spPr>
+          <a:xfrm>
+            <a:off x="6479787" y="2186172"/>
+            <a:ext cx="790935" cy="338554"/>
+          </a:xfrm>
+          <a:prstGeom prst="rect">
+            <a:avLst/>
+          </a:prstGeom>
+          <a:noFill/>
+        </p:spPr>
+        <p:txBody>
+          <a:bodyPr wrap="square" rtlCol="0">
+            <a:spAutoFit/>
+          </a:bodyPr>
+          <a:lstStyle/>
+          <a:p>
+            <a:r>
+              <a:rPr lang="en-GB" sz="1600" dirty="0"/>
+              <a:t>CFA</a:t>
+            </a:r>
+          </a:p>
+        </p:txBody>
+      </p:sp>
+      <p:cxnSp>
+        <p:nvCxnSpPr>
+          <p:cNvPr id="95" name="Straight Arrow Connector 94">
+            <a:extLst>
+              <a:ext uri="{FF2B5EF4-FFF2-40B4-BE49-F238E27FC236}">
+                <a16:creationId xmlns:a16="http://schemas.microsoft.com/office/drawing/2014/main" id="{7F53574B-B5DE-48AB-A07B-107C1D16D9A4}"/>
+              </a:ext>
+            </a:extLst>
+          </p:cNvPr>
+          <p:cNvCxnSpPr>
+            <a:cxnSpLocks/>
+            <a:stCxn id="10" idx="3"/>
+            <a:endCxn id="94" idx="1"/>
+          </p:cNvCxnSpPr>
+          <p:nvPr/>
+        </p:nvCxnSpPr>
+        <p:spPr>
+          <a:xfrm>
+            <a:off x="5650300" y="2354794"/>
+            <a:ext cx="829487" cy="655"/>
+          </a:xfrm>
+          <a:prstGeom prst="straightConnector1">
+            <a:avLst/>
+          </a:prstGeom>
+          <a:ln w="19050">
+            <a:solidFill>
+              <a:schemeClr val="tx1"/>
+            </a:solidFill>
+            <a:tailEnd type="triangle"/>
+          </a:ln>
+        </p:spPr>
+        <p:style>
+          <a:lnRef idx="1">
+            <a:schemeClr val="accent1"/>
+          </a:lnRef>
+          <a:fillRef idx="0">
+            <a:schemeClr val="accent1"/>
+          </a:fillRef>
+          <a:effectRef idx="0">
+            <a:schemeClr val="accent1"/>
+          </a:effectRef>
+          <a:fontRef idx="minor">
+            <a:schemeClr val="tx1"/>
+          </a:fontRef>
+        </p:style>
+      </p:cxnSp>
+      <p:sp>
+        <p:nvSpPr>
+          <p:cNvPr id="98" name="TextBox 97">
+            <a:extLst>
+              <a:ext uri="{FF2B5EF4-FFF2-40B4-BE49-F238E27FC236}">
+                <a16:creationId xmlns:a16="http://schemas.microsoft.com/office/drawing/2014/main" id="{685DC66A-F35D-45CC-8C57-E30DA1BE2B2B}"/>
+              </a:ext>
+            </a:extLst>
+          </p:cNvPr>
+          <p:cNvSpPr txBox="1"/>
+          <p:nvPr/>
+        </p:nvSpPr>
+        <p:spPr>
+          <a:xfrm>
+            <a:off x="6479787" y="4676157"/>
+            <a:ext cx="790935" cy="338554"/>
+          </a:xfrm>
+          <a:prstGeom prst="rect">
+            <a:avLst/>
+          </a:prstGeom>
+          <a:noFill/>
+          <a:ln>
+            <a:solidFill>
+              <a:schemeClr val="bg1">
+                <a:lumMod val="65000"/>
+              </a:schemeClr>
+            </a:solidFill>
+          </a:ln>
+        </p:spPr>
+        <p:txBody>
+          <a:bodyPr wrap="square" rtlCol="0">
+            <a:spAutoFit/>
+          </a:bodyPr>
+          <a:lstStyle/>
+          <a:p>
+            <a:r>
+              <a:rPr lang="en-GB" sz="1600" dirty="0">
+                <a:solidFill>
+                  <a:schemeClr val="bg1">
+                    <a:lumMod val="65000"/>
+                  </a:schemeClr>
+                </a:solidFill>
+              </a:rPr>
+              <a:t>SEM</a:t>
+            </a:r>
+          </a:p>
+        </p:txBody>
+      </p:sp>
+      <p:cxnSp>
+        <p:nvCxnSpPr>
+          <p:cNvPr id="99" name="Straight Arrow Connector 98">
+            <a:extLst>
+              <a:ext uri="{FF2B5EF4-FFF2-40B4-BE49-F238E27FC236}">
+                <a16:creationId xmlns:a16="http://schemas.microsoft.com/office/drawing/2014/main" id="{5C8BF63F-D445-4750-8580-DC762E03D6DB}"/>
+              </a:ext>
+            </a:extLst>
+          </p:cNvPr>
+          <p:cNvCxnSpPr>
+            <a:cxnSpLocks/>
+            <a:stCxn id="8" idx="3"/>
+            <a:endCxn id="98" idx="1"/>
+          </p:cNvCxnSpPr>
+          <p:nvPr/>
+        </p:nvCxnSpPr>
+        <p:spPr>
+          <a:xfrm>
+            <a:off x="5650300" y="4845434"/>
+            <a:ext cx="829487" cy="0"/>
+          </a:xfrm>
+          <a:prstGeom prst="straightConnector1">
+            <a:avLst/>
+          </a:prstGeom>
+          <a:ln>
+            <a:solidFill>
+              <a:schemeClr val="bg1">
+                <a:lumMod val="65000"/>
+              </a:schemeClr>
+            </a:solidFill>
+            <a:tailEnd type="triangle"/>
+          </a:ln>
+        </p:spPr>
+        <p:style>
+          <a:lnRef idx="1">
+            <a:schemeClr val="accent1"/>
+          </a:lnRef>
+          <a:fillRef idx="0">
+            <a:schemeClr val="accent1"/>
+          </a:fillRef>
+          <a:effectRef idx="0">
+            <a:schemeClr val="accent1"/>
+          </a:effectRef>
+          <a:fontRef idx="minor">
+            <a:schemeClr val="tx1"/>
+          </a:fontRef>
+        </p:style>
+      </p:cxnSp>
+      <p:sp>
+        <p:nvSpPr>
+          <p:cNvPr id="3" name="Rectangle 2">
+            <a:extLst>
+              <a:ext uri="{FF2B5EF4-FFF2-40B4-BE49-F238E27FC236}">
+                <a16:creationId xmlns:a16="http://schemas.microsoft.com/office/drawing/2014/main" id="{E391357F-1533-4970-87F6-58B58C8AF361}"/>
+              </a:ext>
+            </a:extLst>
+          </p:cNvPr>
+          <p:cNvSpPr/>
+          <p:nvPr/>
+        </p:nvSpPr>
+        <p:spPr>
+          <a:xfrm>
+            <a:off x="3515867" y="1718733"/>
+            <a:ext cx="4637533" cy="1209058"/>
+          </a:xfrm>
+          <a:prstGeom prst="rect">
+            <a:avLst/>
+          </a:prstGeom>
+          <a:solidFill>
+            <a:srgbClr val="FFFFFF">
+              <a:alpha val="74902"/>
+            </a:srgbClr>
+          </a:solidFill>
+          <a:ln>
+            <a:noFill/>
+          </a:ln>
+        </p:spPr>
+        <p:style>
+          <a:lnRef idx="2">
+            <a:schemeClr val="accent1">
+              <a:shade val="50000"/>
+            </a:schemeClr>
+          </a:lnRef>
+          <a:fillRef idx="1">
+            <a:schemeClr val="accent1"/>
+          </a:fillRef>
+          <a:effectRef idx="0">
+            <a:schemeClr val="accent1"/>
+          </a:effectRef>
+          <a:fontRef idx="minor">
+            <a:schemeClr val="lt1"/>
+          </a:fontRef>
+        </p:style>
+        <p:txBody>
+          <a:bodyPr rtlCol="0" anchor="ctr"/>
+          <a:lstStyle/>
+          <a:p>
+            <a:pPr algn="ctr"/>
+            <a:endParaRPr lang="en-GB"/>
+          </a:p>
+        </p:txBody>
+      </p:sp>
+      <p:sp>
+        <p:nvSpPr>
+          <p:cNvPr id="36" name="Rectangle 35">
+            <a:extLst>
+              <a:ext uri="{FF2B5EF4-FFF2-40B4-BE49-F238E27FC236}">
+                <a16:creationId xmlns:a16="http://schemas.microsoft.com/office/drawing/2014/main" id="{6BD0C551-58E1-4467-8FF2-7EE07196C16D}"/>
+              </a:ext>
+            </a:extLst>
+          </p:cNvPr>
+          <p:cNvSpPr/>
+          <p:nvPr/>
+        </p:nvSpPr>
+        <p:spPr>
+          <a:xfrm>
+            <a:off x="8663305" y="4118887"/>
+            <a:ext cx="861400" cy="1209058"/>
+          </a:xfrm>
+          <a:prstGeom prst="rect">
+            <a:avLst/>
+          </a:prstGeom>
+          <a:solidFill>
+            <a:srgbClr val="FFFFFF">
+              <a:alpha val="74902"/>
+            </a:srgbClr>
+          </a:solidFill>
+          <a:ln>
+            <a:noFill/>
+          </a:ln>
+        </p:spPr>
+        <p:style>
+          <a:lnRef idx="2">
+            <a:schemeClr val="accent1">
+              <a:shade val="50000"/>
+            </a:schemeClr>
+          </a:lnRef>
+          <a:fillRef idx="1">
+            <a:schemeClr val="accent1"/>
+          </a:fillRef>
+          <a:effectRef idx="0">
+            <a:schemeClr val="accent1"/>
+          </a:effectRef>
+          <a:fontRef idx="minor">
+            <a:schemeClr val="lt1"/>
+          </a:fontRef>
+        </p:style>
+        <p:txBody>
+          <a:bodyPr rtlCol="0" anchor="ctr"/>
+          <a:lstStyle/>
+          <a:p>
+            <a:pPr algn="ctr"/>
+            <a:endParaRPr lang="en-GB"/>
+          </a:p>
+        </p:txBody>
+      </p:sp>
+    </p:spTree>
+    <p:extLst>
+      <p:ext uri="{BB962C8B-B14F-4D97-AF65-F5344CB8AC3E}">
+        <p14:creationId xmlns:p14="http://schemas.microsoft.com/office/powerpoint/2010/main" val="626468537"/>
       </p:ext>
     </p:extLst>
   </p:cSld>
